--- a/Project/FinalPresentaton_Lee.pptx
+++ b/Project/FinalPresentaton_Lee.pptx
@@ -118,6 +118,11 @@
       </a:defRPr>
     </a:lvl9pPr>
   </p:defaultTextStyle>
+  <p:extLst>
+    <p:ext uri="{EFAFB233-063F-42B5-8137-9DF3F51BA10A}">
+      <p15:sldGuideLst xmlns:p15="http://schemas.microsoft.com/office/powerpoint/2012/main"/>
+    </p:ext>
+  </p:extLst>
 </p:presentation>
 </file>
 
@@ -2105,12 +2110,12 @@
             <a:defRPr cap="all"/>
           </a:pPr>
           <a:r>
-            <a:rPr lang="en-US" b="0" i="0">
+            <a:rPr lang="en-US" b="0" i="0" dirty="0">
               <a:hlinkClick xmlns:r="http://schemas.openxmlformats.org/officeDocument/2006/relationships" r:id="rId1"/>
             </a:rPr>
             <a:t>http://lee471.shinyapps.io/Project</a:t>
           </a:r>
-          <a:endParaRPr lang="en-US"/>
+          <a:endParaRPr lang="en-US" dirty="0"/>
         </a:p>
       </dgm:t>
     </dgm:pt>
@@ -2420,7 +2425,7 @@
         <a:lstStyle/>
         <a:p>
           <a:r>
-            <a:rPr lang="en-US"/>
+            <a:rPr lang="en-US" dirty="0"/>
             <a:t>Expand the time-series plots/visualization</a:t>
           </a:r>
         </a:p>
@@ -2492,8 +2497,8 @@
         <a:lstStyle/>
         <a:p>
           <a:r>
-            <a:rPr lang="en-US"/>
-            <a:t>Working on publish everything on server to accommodate potential large dataset  </a:t>
+            <a:rPr lang="en-US" dirty="0"/>
+            <a:t>Working on publishing everything on server to accommodate potential large dataset  </a:t>
           </a:r>
         </a:p>
       </dgm:t>
@@ -3308,12 +3313,12 @@
             <a:defRPr cap="all"/>
           </a:pPr>
           <a:r>
-            <a:rPr lang="en-US" sz="1100" b="0" i="0" kern="1200">
+            <a:rPr lang="en-US" sz="1100" b="0" i="0" kern="1200" dirty="0">
               <a:hlinkClick xmlns:r="http://schemas.openxmlformats.org/officeDocument/2006/relationships" r:id="rId9"/>
             </a:rPr>
             <a:t>http://lee471.shinyapps.io/Project</a:t>
           </a:r>
-          <a:endParaRPr lang="en-US" sz="1100" kern="1200"/>
+          <a:endParaRPr lang="en-US" sz="1100" kern="1200" dirty="0"/>
         </a:p>
       </dsp:txBody>
       <dsp:txXfrm>
@@ -3420,7 +3425,7 @@
         </a:bodyPr>
         <a:lstStyle/>
         <a:p>
-          <a:pPr marL="0" lvl="0" indent="0" algn="ctr" defTabSz="755650">
+          <a:pPr marL="0" lvl="0" indent="0" algn="ctr" defTabSz="711200">
             <a:lnSpc>
               <a:spcPct val="90000"/>
             </a:lnSpc>
@@ -3433,7 +3438,7 @@
             <a:buNone/>
           </a:pPr>
           <a:r>
-            <a:rPr lang="en-US" sz="1700" kern="1200"/>
+            <a:rPr lang="en-US" sz="1600" kern="1200" dirty="0"/>
             <a:t>Expand the time-series plots/visualization</a:t>
           </a:r>
         </a:p>
@@ -3530,7 +3535,7 @@
         </a:bodyPr>
         <a:lstStyle/>
         <a:p>
-          <a:pPr marL="0" lvl="0" indent="0" algn="ctr" defTabSz="755650">
+          <a:pPr marL="0" lvl="0" indent="0" algn="ctr" defTabSz="711200">
             <a:lnSpc>
               <a:spcPct val="90000"/>
             </a:lnSpc>
@@ -3543,7 +3548,7 @@
             <a:buNone/>
           </a:pPr>
           <a:r>
-            <a:rPr lang="en-US" sz="1700" kern="1200"/>
+            <a:rPr lang="en-US" sz="1600" kern="1200"/>
             <a:t>Possible to located the subregion data</a:t>
           </a:r>
         </a:p>
@@ -3640,7 +3645,7 @@
         </a:bodyPr>
         <a:lstStyle/>
         <a:p>
-          <a:pPr marL="0" lvl="0" indent="0" algn="ctr" defTabSz="755650">
+          <a:pPr marL="0" lvl="0" indent="0" algn="ctr" defTabSz="711200">
             <a:lnSpc>
               <a:spcPct val="90000"/>
             </a:lnSpc>
@@ -3653,8 +3658,8 @@
             <a:buNone/>
           </a:pPr>
           <a:r>
-            <a:rPr lang="en-US" sz="1700" kern="1200"/>
-            <a:t>Working on publish everything on server to accommodate potential large dataset  </a:t>
+            <a:rPr lang="en-US" sz="1600" kern="1200" dirty="0"/>
+            <a:t>Working on publishing everything on server to accommodate potential large dataset  </a:t>
           </a:r>
         </a:p>
       </dsp:txBody>
@@ -10982,7 +10987,7 @@
           <a:p>
             <a:r>
               <a:rPr lang="en-US" sz="2000" dirty="0"/>
-              <a:t>Temperature do play a role for and apparent trend for  the COVID-19 cases (at large glance [longer period studies])</a:t>
+              <a:t>Temperature do play a role for and apparent trend for the COVID-19 cases (at large glance [longer period studies])</a:t>
             </a:r>
           </a:p>
           <a:p>
@@ -11000,19 +11005,28 @@
           <a:p>
             <a:r>
               <a:rPr lang="en-US" sz="2000" dirty="0"/>
-              <a:t>In Nebraska, Lincoln -&gt; neither colder/warmer temperature (weak correlation).</a:t>
+              <a:t>In Nebraska, Lincoln -&gt; neither colder/warmer temperature associated more COVID-19 cases</a:t>
             </a:r>
           </a:p>
           <a:p>
+            <a:pPr marL="0" indent="0">
+              <a:buNone/>
+            </a:pPr>
             <a:r>
               <a:rPr lang="en-US" sz="2000" dirty="0"/>
-              <a:t>COVID-19 varies not only seasonal, but also vary monthly </a:t>
+              <a:t> (weak correlation)</a:t>
             </a:r>
           </a:p>
           <a:p>
             <a:r>
               <a:rPr lang="en-US" sz="2000" dirty="0"/>
-              <a:t>The Fargo, ND, and Corpus Christi, TX has more significant trend</a:t>
+              <a:t>COVID-19 varies not only seasonal, but also monthly </a:t>
+            </a:r>
+          </a:p>
+          <a:p>
+            <a:r>
+              <a:rPr lang="en-US" sz="2000" dirty="0"/>
+              <a:t>The Fargo, ND, and Corpus Christi, TX has more significant trend compared to Lincoln, NE.</a:t>
             </a:r>
           </a:p>
           <a:p>
@@ -11024,13 +11038,13 @@
           <a:p>
             <a:r>
               <a:rPr lang="en-US" sz="2000" dirty="0"/>
-              <a:t>People live in TX have higher COVID-19 case in Rain,(overcast) and Rain,(partly cloud) condition </a:t>
+              <a:t>People live in TX have higher COVID-19 case in Rain,(overcast) and Rain,(partly cloud) condition. </a:t>
             </a:r>
           </a:p>
           <a:p>
             <a:r>
               <a:rPr lang="en-US" sz="2000" dirty="0"/>
-              <a:t>People live in NE have most even COVID-19 case in two-more categories weather conditions </a:t>
+              <a:t>People live in NE have higher COVID-19 case in two-more categories weather conditions. </a:t>
             </a:r>
           </a:p>
         </p:txBody>
@@ -11222,7 +11236,7 @@
             <p:ph idx="1"/>
             <p:extLst>
               <p:ext uri="{D42A27DB-BD31-4B8C-83A1-F6EECF244321}">
-                <p14:modId xmlns:p14="http://schemas.microsoft.com/office/powerpoint/2010/main" val="2659687717"/>
+                <p14:modId xmlns:p14="http://schemas.microsoft.com/office/powerpoint/2010/main" val="1794045465"/>
               </p:ext>
             </p:extLst>
           </p:nvPr>
@@ -12265,28 +12279,6 @@
           </a:bodyPr>
           <a:lstStyle/>
           <a:p>
-            <a:pPr indent="228600">
-              <a:spcAft>
-                <a:spcPts val="800"/>
-              </a:spcAft>
-            </a:pPr>
-            <a:r>
-              <a:rPr lang="en-US" sz="1500" dirty="0">
-                <a:effectLst/>
-                <a:latin typeface="Times New Roman" panose="02020603050405020304" pitchFamily="18" charset="0"/>
-                <a:ea typeface="PMingLiU" panose="02020500000000000000" pitchFamily="18" charset="-120"/>
-                <a:cs typeface="Times New Roman" panose="02020603050405020304" pitchFamily="18" charset="0"/>
-              </a:rPr>
-              <a:t>Reference </a:t>
-            </a:r>
-            <a:endParaRPr lang="en-US" sz="1500" dirty="0">
-              <a:effectLst/>
-              <a:latin typeface="Calibri" panose="020F0502020204030204" pitchFamily="34" charset="0"/>
-              <a:ea typeface="PMingLiU" panose="02020500000000000000" pitchFamily="18" charset="-120"/>
-              <a:cs typeface="Times New Roman" panose="02020603050405020304" pitchFamily="18" charset="0"/>
-            </a:endParaRPr>
-          </a:p>
-          <a:p>
             <a:pPr marL="228600">
               <a:spcAft>
                 <a:spcPts val="800"/>
@@ -12965,23 +12957,7 @@
                   <a:schemeClr val="bg1"/>
                 </a:solidFill>
               </a:rPr>
-              <a:t>Does it influence by temperature or the weather </a:t>
-            </a:r>
-            <a:r>
-              <a:rPr lang="en-US" sz="1700" dirty="0" err="1">
-                <a:solidFill>
-                  <a:schemeClr val="bg1"/>
-                </a:solidFill>
-              </a:rPr>
-              <a:t>condtiton</a:t>
-            </a:r>
-            <a:r>
-              <a:rPr lang="en-US" sz="1700" dirty="0">
-                <a:solidFill>
-                  <a:schemeClr val="bg1"/>
-                </a:solidFill>
-              </a:rPr>
-              <a:t>?</a:t>
+              <a:t>Does it influence by temperature or the weather condition?</a:t>
             </a:r>
           </a:p>
         </p:txBody>
@@ -15626,7 +15602,7 @@
                   <a:schemeClr val="bg1"/>
                 </a:solidFill>
               </a:rPr>
-              <a:t>Does not have case subregion for detail investigation  </a:t>
+              <a:t>Does not have case divided into subregion for detail investigation  </a:t>
             </a:r>
           </a:p>
           <a:p>
@@ -16082,12 +16058,24 @@
             <p:ph type="title"/>
           </p:nvPr>
         </p:nvSpPr>
-        <p:spPr/>
+        <p:spPr>
+          <a:xfrm>
+            <a:off x="557408" y="131523"/>
+            <a:ext cx="3091167" cy="695195"/>
+          </a:xfrm>
+        </p:spPr>
         <p:txBody>
-          <a:bodyPr/>
+          <a:bodyPr>
+            <a:normAutofit/>
+          </a:bodyPr>
           <a:lstStyle/>
           <a:p>
-            <a:endParaRPr lang="en-US"/>
+            <a:r>
+              <a:rPr lang="en-US" sz="2000" dirty="0">
+                <a:latin typeface="Calibri Light (Headings)"/>
+              </a:rPr>
+              <a:t>COVID-case plot</a:t>
+            </a:r>
           </a:p>
         </p:txBody>
       </p:sp>
@@ -16121,8 +16109,8 @@
         </p:blipFill>
         <p:spPr>
           <a:xfrm>
-            <a:off x="765137" y="2032987"/>
-            <a:ext cx="2883438" cy="1906508"/>
+            <a:off x="451987" y="932225"/>
+            <a:ext cx="4245046" cy="2806793"/>
           </a:xfrm>
         </p:spPr>
       </p:pic>
@@ -16154,8 +16142,8 @@
         </p:blipFill>
         <p:spPr>
           <a:xfrm>
-            <a:off x="765137" y="4019266"/>
-            <a:ext cx="3940137" cy="2605190"/>
+            <a:off x="3552178" y="3729044"/>
+            <a:ext cx="4533373" cy="2997433"/>
           </a:xfrm>
           <a:prstGeom prst="rect">
             <a:avLst/>
@@ -16190,8 +16178,8 @@
         </p:blipFill>
         <p:spPr>
           <a:xfrm>
-            <a:off x="7303894" y="2032987"/>
-            <a:ext cx="2683346" cy="1774209"/>
+            <a:off x="6707541" y="112733"/>
+            <a:ext cx="5484459" cy="3626285"/>
           </a:xfrm>
           <a:prstGeom prst="rect">
             <a:avLst/>
@@ -16290,8 +16278,8 @@
         </p:blipFill>
         <p:spPr>
           <a:xfrm>
-            <a:off x="3983683" y="3429000"/>
-            <a:ext cx="5084442" cy="3133844"/>
+            <a:off x="3870949" y="3473960"/>
+            <a:ext cx="5385786" cy="3133844"/>
           </a:xfrm>
           <a:prstGeom prst="rect">
             <a:avLst/>
@@ -16320,13 +16308,13 @@
               </a:ext>
             </a:extLst>
           </a:blip>
-          <a:srcRect l="17937" r="9956"/>
+          <a:srcRect l="17937" r="9956" b="24198"/>
           <a:stretch/>
         </p:blipFill>
         <p:spPr>
           <a:xfrm>
-            <a:off x="7498582" y="643910"/>
-            <a:ext cx="4508310" cy="4133988"/>
+            <a:off x="7368942" y="250196"/>
+            <a:ext cx="4637950" cy="3223764"/>
           </a:xfrm>
           <a:prstGeom prst="rect">
             <a:avLst/>
